--- a/My_Task_1_Charles_rewrite_modification.pptx
+++ b/My_Task_1_Charles_rewrite_modification.pptx
@@ -853,7 +853,7 @@
           <a:p>
             <a:fld id="{84CF8045-8954-4DB4-BA2E-4C0416D954F8}" type="datetimeFigureOut">
               <a:rPr lang="ru-RU" smtClean="0"/>
-              <a:t>29.04.2021</a:t>
+              <a:t>02.05.2021</a:t>
             </a:fld>
             <a:endParaRPr lang="ru-RU"/>
           </a:p>
@@ -1104,7 +1104,7 @@
           <a:p>
             <a:fld id="{84CF8045-8954-4DB4-BA2E-4C0416D954F8}" type="datetimeFigureOut">
               <a:rPr lang="ru-RU" smtClean="0"/>
-              <a:t>29.04.2021</a:t>
+              <a:t>02.05.2021</a:t>
             </a:fld>
             <a:endParaRPr lang="ru-RU"/>
           </a:p>
@@ -1418,7 +1418,7 @@
           <a:p>
             <a:fld id="{84CF8045-8954-4DB4-BA2E-4C0416D954F8}" type="datetimeFigureOut">
               <a:rPr lang="ru-RU" smtClean="0"/>
-              <a:t>29.04.2021</a:t>
+              <a:t>02.05.2021</a:t>
             </a:fld>
             <a:endParaRPr lang="ru-RU"/>
           </a:p>
@@ -1759,7 +1759,7 @@
           <a:p>
             <a:fld id="{84CF8045-8954-4DB4-BA2E-4C0416D954F8}" type="datetimeFigureOut">
               <a:rPr lang="ru-RU" smtClean="0"/>
-              <a:t>29.04.2021</a:t>
+              <a:t>02.05.2021</a:t>
             </a:fld>
             <a:endParaRPr lang="ru-RU"/>
           </a:p>
@@ -2073,7 +2073,7 @@
           <a:p>
             <a:fld id="{84CF8045-8954-4DB4-BA2E-4C0416D954F8}" type="datetimeFigureOut">
               <a:rPr lang="ru-RU" smtClean="0"/>
-              <a:t>29.04.2021</a:t>
+              <a:t>02.05.2021</a:t>
             </a:fld>
             <a:endParaRPr lang="ru-RU"/>
           </a:p>
@@ -2466,7 +2466,7 @@
           <a:p>
             <a:fld id="{84CF8045-8954-4DB4-BA2E-4C0416D954F8}" type="datetimeFigureOut">
               <a:rPr lang="ru-RU" smtClean="0"/>
-              <a:t>29.04.2021</a:t>
+              <a:t>02.05.2021</a:t>
             </a:fld>
             <a:endParaRPr lang="ru-RU"/>
           </a:p>
@@ -2636,7 +2636,7 @@
           <a:p>
             <a:fld id="{84CF8045-8954-4DB4-BA2E-4C0416D954F8}" type="datetimeFigureOut">
               <a:rPr lang="ru-RU" smtClean="0"/>
-              <a:t>29.04.2021</a:t>
+              <a:t>02.05.2021</a:t>
             </a:fld>
             <a:endParaRPr lang="ru-RU"/>
           </a:p>
@@ -2816,7 +2816,7 @@
           <a:p>
             <a:fld id="{84CF8045-8954-4DB4-BA2E-4C0416D954F8}" type="datetimeFigureOut">
               <a:rPr lang="ru-RU" smtClean="0"/>
-              <a:t>29.04.2021</a:t>
+              <a:t>02.05.2021</a:t>
             </a:fld>
             <a:endParaRPr lang="ru-RU"/>
           </a:p>
@@ -2992,7 +2992,7 @@
           <a:p>
             <a:fld id="{84CF8045-8954-4DB4-BA2E-4C0416D954F8}" type="datetimeFigureOut">
               <a:rPr lang="ru-RU" smtClean="0"/>
-              <a:t>29.04.2021</a:t>
+              <a:t>02.05.2021</a:t>
             </a:fld>
             <a:endParaRPr lang="ru-RU"/>
           </a:p>
@@ -3239,7 +3239,7 @@
           <a:p>
             <a:fld id="{84CF8045-8954-4DB4-BA2E-4C0416D954F8}" type="datetimeFigureOut">
               <a:rPr lang="ru-RU" smtClean="0"/>
-              <a:t>29.04.2021</a:t>
+              <a:t>02.05.2021</a:t>
             </a:fld>
             <a:endParaRPr lang="ru-RU"/>
           </a:p>
@@ -3471,7 +3471,7 @@
           <a:p>
             <a:fld id="{84CF8045-8954-4DB4-BA2E-4C0416D954F8}" type="datetimeFigureOut">
               <a:rPr lang="ru-RU" smtClean="0"/>
-              <a:t>29.04.2021</a:t>
+              <a:t>02.05.2021</a:t>
             </a:fld>
             <a:endParaRPr lang="ru-RU"/>
           </a:p>
@@ -3845,7 +3845,7 @@
           <a:p>
             <a:fld id="{84CF8045-8954-4DB4-BA2E-4C0416D954F8}" type="datetimeFigureOut">
               <a:rPr lang="ru-RU" smtClean="0"/>
-              <a:t>29.04.2021</a:t>
+              <a:t>02.05.2021</a:t>
             </a:fld>
             <a:endParaRPr lang="ru-RU"/>
           </a:p>
@@ -3968,7 +3968,7 @@
           <a:p>
             <a:fld id="{84CF8045-8954-4DB4-BA2E-4C0416D954F8}" type="datetimeFigureOut">
               <a:rPr lang="ru-RU" smtClean="0"/>
-              <a:t>29.04.2021</a:t>
+              <a:t>02.05.2021</a:t>
             </a:fld>
             <a:endParaRPr lang="ru-RU"/>
           </a:p>
@@ -4063,7 +4063,7 @@
           <a:p>
             <a:fld id="{84CF8045-8954-4DB4-BA2E-4C0416D954F8}" type="datetimeFigureOut">
               <a:rPr lang="ru-RU" smtClean="0"/>
-              <a:t>29.04.2021</a:t>
+              <a:t>02.05.2021</a:t>
             </a:fld>
             <a:endParaRPr lang="ru-RU"/>
           </a:p>
@@ -4318,7 +4318,7 @@
           <a:p>
             <a:fld id="{84CF8045-8954-4DB4-BA2E-4C0416D954F8}" type="datetimeFigureOut">
               <a:rPr lang="ru-RU" smtClean="0"/>
-              <a:t>29.04.2021</a:t>
+              <a:t>02.05.2021</a:t>
             </a:fld>
             <a:endParaRPr lang="ru-RU"/>
           </a:p>
@@ -4581,7 +4581,7 @@
           <a:p>
             <a:fld id="{84CF8045-8954-4DB4-BA2E-4C0416D954F8}" type="datetimeFigureOut">
               <a:rPr lang="ru-RU" smtClean="0"/>
-              <a:t>29.04.2021</a:t>
+              <a:t>02.05.2021</a:t>
             </a:fld>
             <a:endParaRPr lang="ru-RU"/>
           </a:p>
@@ -5324,7 +5324,7 @@
           <a:p>
             <a:fld id="{84CF8045-8954-4DB4-BA2E-4C0416D954F8}" type="datetimeFigureOut">
               <a:rPr lang="ru-RU" smtClean="0"/>
-              <a:t>29.04.2021</a:t>
+              <a:t>02.05.2021</a:t>
             </a:fld>
             <a:endParaRPr lang="ru-RU"/>
           </a:p>
@@ -6361,16 +6361,16 @@
               <a:t> - </a:t>
             </a:r>
             <a:r>
-              <a:rPr lang="ru-RU" sz="2700" dirty="0"/>
-              <a:t>наименование </a:t>
-            </a:r>
-            <a:r>
-              <a:rPr lang="ru-RU" sz="2700" dirty="0" smtClean="0"/>
-              <a:t>запроса </a:t>
-            </a:r>
-            <a:r>
               <a:rPr lang="en-US" sz="2700" dirty="0" smtClean="0"/>
-              <a:t>(Postman)</a:t>
+              <a:t>endpoint </a:t>
+            </a:r>
+            <a:r>
+              <a:rPr lang="en-US" sz="2700" dirty="0" smtClean="0"/>
+              <a:t>(Postman</a:t>
+            </a:r>
+            <a:r>
+              <a:rPr lang="en-US" sz="2700" dirty="0" smtClean="0"/>
+              <a:t>)</a:t>
             </a:r>
             <a:r>
               <a:rPr lang="ru-RU" sz="3100" dirty="0" smtClean="0"/>
@@ -9887,11 +9887,7 @@
             </a:br>
             <a:r>
               <a:rPr lang="ru-RU" sz="3100" dirty="0" smtClean="0"/>
-              <a:t>- </a:t>
-            </a:r>
-            <a:r>
-              <a:rPr lang="ru-RU" sz="3100" dirty="0" smtClean="0"/>
-              <a:t>Нажимаем </a:t>
+              <a:t>- Нажимаем </a:t>
             </a:r>
             <a:r>
               <a:rPr lang="en-US" sz="3100" b="1" dirty="0"/>
